--- a/WebCampsKeynote/WebCampsKeynote.pptx
+++ b/WebCampsKeynote/WebCampsKeynote.pptx
@@ -28,13 +28,13 @@
   <p:notesSz cx="6858000" cy="9296400"/>
   <p:embeddedFontLst>
     <p:embeddedFont>
-      <p:font typeface="Segoe Light" pitchFamily="34" charset="0"/>
+      <p:font typeface="Segoe UI Light" pitchFamily="34" charset="0"/>
       <p:regular r:id="rId19"/>
-      <p:italic r:id="rId20"/>
     </p:embeddedFont>
     <p:embeddedFont>
-      <p:font typeface="Segoe UI Light" pitchFamily="34" charset="0"/>
-      <p:regular r:id="rId21"/>
+      <p:font typeface="Segoe Light" pitchFamily="34" charset="0"/>
+      <p:regular r:id="rId20"/>
+      <p:italic r:id="rId21"/>
     </p:embeddedFont>
     <p:embeddedFont>
       <p:font typeface="Segoe UI" pitchFamily="34" charset="0"/>
@@ -245,7 +245,7 @@
               <a:rPr lang="en-US" smtClean="0">
                 <a:latin typeface="Segoe UI" pitchFamily="34" charset="0"/>
               </a:rPr>
-              <a:t>4/5/2012</a:t>
+              <a:t>4/6/2012</a:t>
             </a:fld>
             <a:endParaRPr lang="en-US" dirty="0">
               <a:latin typeface="Segoe UI" pitchFamily="34" charset="0"/>
@@ -427,7 +427,7 @@
             <a:fld id="{CAE3F082-F902-42D8-A765-720E172C3194}" type="datetimeFigureOut">
               <a:rPr lang="en-US" smtClean="0"/>
               <a:pPr/>
-              <a:t>4/5/2012</a:t>
+              <a:t>4/6/2012</a:t>
             </a:fld>
             <a:endParaRPr lang="en-US" dirty="0"/>
           </a:p>
@@ -1704,45 +1704,115 @@
           </a:p>
         </p:txBody>
       </p:sp>
-      <p:pic>
-        <p:nvPicPr>
-          <p:cNvPr id="13" name="Picture 12"/>
-          <p:cNvPicPr>
-            <a:picLocks noChangeAspect="1"/>
-          </p:cNvPicPr>
+      <p:grpSp>
+        <p:nvGrpSpPr>
+          <p:cNvPr id="5" name="Group 4"/>
+          <p:cNvGrpSpPr/>
           <p:nvPr userDrawn="1"/>
-        </p:nvPicPr>
-        <p:blipFill>
-          <a:blip r:embed="rId3">
-            <a:extLst>
-              <a:ext uri="{BEBA8EAE-BF5A-486C-A8C5-ECC9F3942E4B}">
-                <a14:imgProps xmlns:a14="http://schemas.microsoft.com/office/drawing/2010/main">
-                  <a14:imgLayer r:embed="rId4">
-                    <a14:imgEffect>
-                      <a14:brightnessContrast bright="100000"/>
-                    </a14:imgEffect>
-                  </a14:imgLayer>
-                </a14:imgProps>
-              </a:ext>
-              <a:ext uri="{28A0092B-C50C-407E-A947-70E740481C1C}">
-                <a14:useLocalDpi xmlns:a14="http://schemas.microsoft.com/office/drawing/2010/main" val="0"/>
-              </a:ext>
-            </a:extLst>
-          </a:blip>
-          <a:stretch>
-            <a:fillRect/>
-          </a:stretch>
-        </p:blipFill>
-        <p:spPr>
+        </p:nvGrpSpPr>
+        <p:grpSpPr>
           <a:xfrm>
-            <a:off x="519113" y="228600"/>
-            <a:ext cx="2497827" cy="290338"/>
+            <a:off x="519113" y="241940"/>
+            <a:ext cx="2411374" cy="387798"/>
+            <a:chOff x="517525" y="5956427"/>
+            <a:chExt cx="1489796" cy="775597"/>
           </a:xfrm>
-          <a:prstGeom prst="rect">
-            <a:avLst/>
-          </a:prstGeom>
-        </p:spPr>
-      </p:pic>
+        </p:grpSpPr>
+        <p:sp>
+          <p:nvSpPr>
+            <p:cNvPr id="6" name="TextBox 5"/>
+            <p:cNvSpPr txBox="1"/>
+            <p:nvPr userDrawn="1"/>
+          </p:nvSpPr>
+          <p:spPr>
+            <a:xfrm>
+              <a:off x="517525" y="5956427"/>
+              <a:ext cx="1489796" cy="775597"/>
+            </a:xfrm>
+            <a:prstGeom prst="rect">
+              <a:avLst/>
+            </a:prstGeom>
+            <a:noFill/>
+          </p:spPr>
+          <p:txBody>
+            <a:bodyPr wrap="square" lIns="0" tIns="0" rIns="0" bIns="0" rtlCol="0">
+              <a:spAutoFit/>
+            </a:bodyPr>
+            <a:lstStyle/>
+            <a:p>
+              <a:pPr marL="0" indent="0">
+                <a:lnSpc>
+                  <a:spcPct val="90000"/>
+                </a:lnSpc>
+                <a:spcBef>
+                  <a:spcPct val="20000"/>
+                </a:spcBef>
+                <a:buSzPct val="80000"/>
+                <a:buFont typeface="Arial" pitchFamily="34" charset="0"/>
+                <a:buNone/>
+              </a:pPr>
+              <a:r>
+                <a:rPr lang="en-US" sz="2800" dirty="0" smtClean="0">
+                  <a:solidFill>
+                    <a:schemeClr val="bg1">
+                      <a:alpha val="99000"/>
+                    </a:schemeClr>
+                  </a:solidFill>
+                </a:rPr>
+                <a:t>Microsoft /web</a:t>
+              </a:r>
+              <a:endParaRPr lang="en-US" sz="2800" baseline="0" dirty="0">
+                <a:solidFill>
+                  <a:schemeClr val="bg1">
+                    <a:alpha val="99000"/>
+                  </a:schemeClr>
+                </a:solidFill>
+              </a:endParaRPr>
+            </a:p>
+          </p:txBody>
+        </p:sp>
+        <p:sp>
+          <p:nvSpPr>
+            <p:cNvPr id="8" name="Rectangle 7"/>
+            <p:cNvSpPr/>
+            <p:nvPr userDrawn="1"/>
+          </p:nvSpPr>
+          <p:spPr>
+            <a:xfrm>
+              <a:off x="1438350" y="6127087"/>
+              <a:ext cx="35653" cy="76944"/>
+            </a:xfrm>
+            <a:prstGeom prst="rect">
+              <a:avLst/>
+            </a:prstGeom>
+          </p:spPr>
+          <p:txBody>
+            <a:bodyPr wrap="none" lIns="0" tIns="0" rIns="0" bIns="0">
+              <a:spAutoFit/>
+            </a:bodyPr>
+            <a:lstStyle/>
+            <a:p>
+              <a:r>
+                <a:rPr lang="en-US" sz="500" baseline="0" dirty="0" smtClean="0">
+                  <a:solidFill>
+                    <a:schemeClr val="bg1">
+                      <a:alpha val="99000"/>
+                    </a:schemeClr>
+                  </a:solidFill>
+                </a:rPr>
+                <a:t>®</a:t>
+              </a:r>
+              <a:endParaRPr lang="en-US" sz="500" baseline="0" dirty="0">
+                <a:solidFill>
+                  <a:schemeClr val="bg1">
+                    <a:alpha val="99000"/>
+                  </a:schemeClr>
+                </a:solidFill>
+              </a:endParaRPr>
+            </a:p>
+          </p:txBody>
+        </p:sp>
+      </p:grpSp>
     </p:spTree>
     <p:extLst>
       <p:ext uri="{BB962C8B-B14F-4D97-AF65-F5344CB8AC3E}">
@@ -5579,45 +5649,115 @@
           </a:p>
         </p:txBody>
       </p:sp>
-      <p:pic>
-        <p:nvPicPr>
-          <p:cNvPr id="8" name="Picture 7"/>
-          <p:cNvPicPr>
-            <a:picLocks noChangeAspect="1"/>
-          </p:cNvPicPr>
+      <p:grpSp>
+        <p:nvGrpSpPr>
+          <p:cNvPr id="4" name="Group 3"/>
+          <p:cNvGrpSpPr/>
           <p:nvPr userDrawn="1"/>
-        </p:nvPicPr>
-        <p:blipFill>
-          <a:blip r:embed="rId3">
-            <a:extLst>
-              <a:ext uri="{BEBA8EAE-BF5A-486C-A8C5-ECC9F3942E4B}">
-                <a14:imgProps xmlns:a14="http://schemas.microsoft.com/office/drawing/2010/main">
-                  <a14:imgLayer r:embed="rId4">
-                    <a14:imgEffect>
-                      <a14:brightnessContrast bright="100000"/>
-                    </a14:imgEffect>
-                  </a14:imgLayer>
-                </a14:imgProps>
-              </a:ext>
-              <a:ext uri="{28A0092B-C50C-407E-A947-70E740481C1C}">
-                <a14:useLocalDpi xmlns:a14="http://schemas.microsoft.com/office/drawing/2010/main" val="0"/>
-              </a:ext>
-            </a:extLst>
-          </a:blip>
-          <a:stretch>
-            <a:fillRect/>
-          </a:stretch>
-        </p:blipFill>
-        <p:spPr>
+        </p:nvGrpSpPr>
+        <p:grpSpPr>
           <a:xfrm>
-            <a:off x="9161564" y="6338047"/>
-            <a:ext cx="2506561" cy="291353"/>
+            <a:off x="9264689" y="6225727"/>
+            <a:ext cx="2411374" cy="387798"/>
+            <a:chOff x="517525" y="5956427"/>
+            <a:chExt cx="1489796" cy="775597"/>
           </a:xfrm>
-          <a:prstGeom prst="rect">
-            <a:avLst/>
-          </a:prstGeom>
-        </p:spPr>
-      </p:pic>
+        </p:grpSpPr>
+        <p:sp>
+          <p:nvSpPr>
+            <p:cNvPr id="5" name="TextBox 4"/>
+            <p:cNvSpPr txBox="1"/>
+            <p:nvPr userDrawn="1"/>
+          </p:nvSpPr>
+          <p:spPr>
+            <a:xfrm>
+              <a:off x="517525" y="5956427"/>
+              <a:ext cx="1489796" cy="775597"/>
+            </a:xfrm>
+            <a:prstGeom prst="rect">
+              <a:avLst/>
+            </a:prstGeom>
+            <a:noFill/>
+          </p:spPr>
+          <p:txBody>
+            <a:bodyPr wrap="square" lIns="0" tIns="0" rIns="0" bIns="0" rtlCol="0">
+              <a:spAutoFit/>
+            </a:bodyPr>
+            <a:lstStyle/>
+            <a:p>
+              <a:pPr marL="0" indent="0">
+                <a:lnSpc>
+                  <a:spcPct val="90000"/>
+                </a:lnSpc>
+                <a:spcBef>
+                  <a:spcPct val="20000"/>
+                </a:spcBef>
+                <a:buSzPct val="80000"/>
+                <a:buFont typeface="Arial" pitchFamily="34" charset="0"/>
+                <a:buNone/>
+              </a:pPr>
+              <a:r>
+                <a:rPr lang="en-US" sz="2800" dirty="0" smtClean="0">
+                  <a:solidFill>
+                    <a:schemeClr val="bg1">
+                      <a:alpha val="99000"/>
+                    </a:schemeClr>
+                  </a:solidFill>
+                </a:rPr>
+                <a:t>Microsoft /web</a:t>
+              </a:r>
+              <a:endParaRPr lang="en-US" sz="2800" baseline="0" dirty="0">
+                <a:solidFill>
+                  <a:schemeClr val="bg1">
+                    <a:alpha val="99000"/>
+                  </a:schemeClr>
+                </a:solidFill>
+              </a:endParaRPr>
+            </a:p>
+          </p:txBody>
+        </p:sp>
+        <p:sp>
+          <p:nvSpPr>
+            <p:cNvPr id="6" name="Rectangle 5"/>
+            <p:cNvSpPr/>
+            <p:nvPr userDrawn="1"/>
+          </p:nvSpPr>
+          <p:spPr>
+            <a:xfrm>
+              <a:off x="1438350" y="6127087"/>
+              <a:ext cx="35653" cy="76944"/>
+            </a:xfrm>
+            <a:prstGeom prst="rect">
+              <a:avLst/>
+            </a:prstGeom>
+          </p:spPr>
+          <p:txBody>
+            <a:bodyPr wrap="none" lIns="0" tIns="0" rIns="0" bIns="0">
+              <a:spAutoFit/>
+            </a:bodyPr>
+            <a:lstStyle/>
+            <a:p>
+              <a:r>
+                <a:rPr lang="en-US" sz="500" baseline="0" dirty="0" smtClean="0">
+                  <a:solidFill>
+                    <a:schemeClr val="bg1">
+                      <a:alpha val="99000"/>
+                    </a:schemeClr>
+                  </a:solidFill>
+                </a:rPr>
+                <a:t>®</a:t>
+              </a:r>
+              <a:endParaRPr lang="en-US" sz="500" baseline="0" dirty="0">
+                <a:solidFill>
+                  <a:schemeClr val="bg1">
+                    <a:alpha val="99000"/>
+                  </a:schemeClr>
+                </a:solidFill>
+              </a:endParaRPr>
+            </a:p>
+          </p:txBody>
+        </p:sp>
+      </p:grpSp>
     </p:spTree>
     <p:extLst>
       <p:ext uri="{BB962C8B-B14F-4D97-AF65-F5344CB8AC3E}">
@@ -5761,7 +5901,19 @@
                 <a:latin typeface="Segoe UI" pitchFamily="34" charset="0"/>
                 <a:cs typeface="Arial" charset="0"/>
               </a:rPr>
-              <a:t>2011 Microsoft </a:t>
+              <a:t>2012 </a:t>
+            </a:r>
+            <a:r>
+              <a:rPr lang="en-US" sz="700" dirty="0" smtClean="0">
+                <a:solidFill>
+                  <a:schemeClr val="bg1">
+                    <a:alpha val="99000"/>
+                  </a:schemeClr>
+                </a:solidFill>
+                <a:latin typeface="Segoe UI" pitchFamily="34" charset="0"/>
+                <a:cs typeface="Arial" charset="0"/>
+              </a:rPr>
+              <a:t>Microsoft </a:t>
             </a:r>
             <a:r>
               <a:rPr lang="en-US" sz="700" dirty="0">
@@ -6018,45 +6170,115 @@
           </a:ln>
         </p:spPr>
       </p:pic>
-      <p:pic>
-        <p:nvPicPr>
-          <p:cNvPr id="7" name="Picture 6"/>
-          <p:cNvPicPr>
-            <a:picLocks noChangeAspect="1"/>
-          </p:cNvPicPr>
+      <p:grpSp>
+        <p:nvGrpSpPr>
+          <p:cNvPr id="6" name="Group 5"/>
+          <p:cNvGrpSpPr/>
           <p:nvPr userDrawn="1"/>
-        </p:nvPicPr>
-        <p:blipFill>
-          <a:blip r:embed="rId5">
-            <a:extLst>
-              <a:ext uri="{BEBA8EAE-BF5A-486C-A8C5-ECC9F3942E4B}">
-                <a14:imgProps xmlns:a14="http://schemas.microsoft.com/office/drawing/2010/main">
-                  <a14:imgLayer r:embed="rId6">
-                    <a14:imgEffect>
-                      <a14:brightnessContrast bright="100000"/>
-                    </a14:imgEffect>
-                  </a14:imgLayer>
-                </a14:imgProps>
-              </a:ext>
-              <a:ext uri="{28A0092B-C50C-407E-A947-70E740481C1C}">
-                <a14:useLocalDpi xmlns:a14="http://schemas.microsoft.com/office/drawing/2010/main" val="0"/>
-              </a:ext>
-            </a:extLst>
-          </a:blip>
-          <a:stretch>
-            <a:fillRect/>
-          </a:stretch>
-        </p:blipFill>
-        <p:spPr>
+        </p:nvGrpSpPr>
+        <p:grpSpPr>
           <a:xfrm>
-            <a:off x="519113" y="228600"/>
-            <a:ext cx="2497827" cy="290338"/>
+            <a:off x="519113" y="241940"/>
+            <a:ext cx="2411374" cy="387798"/>
+            <a:chOff x="517525" y="5956427"/>
+            <a:chExt cx="1489796" cy="775597"/>
           </a:xfrm>
-          <a:prstGeom prst="rect">
-            <a:avLst/>
-          </a:prstGeom>
-        </p:spPr>
-      </p:pic>
+        </p:grpSpPr>
+        <p:sp>
+          <p:nvSpPr>
+            <p:cNvPr id="8" name="TextBox 7"/>
+            <p:cNvSpPr txBox="1"/>
+            <p:nvPr userDrawn="1"/>
+          </p:nvSpPr>
+          <p:spPr>
+            <a:xfrm>
+              <a:off x="517525" y="5956427"/>
+              <a:ext cx="1489796" cy="775597"/>
+            </a:xfrm>
+            <a:prstGeom prst="rect">
+              <a:avLst/>
+            </a:prstGeom>
+            <a:noFill/>
+          </p:spPr>
+          <p:txBody>
+            <a:bodyPr wrap="square" lIns="0" tIns="0" rIns="0" bIns="0" rtlCol="0">
+              <a:spAutoFit/>
+            </a:bodyPr>
+            <a:lstStyle/>
+            <a:p>
+              <a:pPr marL="0" indent="0">
+                <a:lnSpc>
+                  <a:spcPct val="90000"/>
+                </a:lnSpc>
+                <a:spcBef>
+                  <a:spcPct val="20000"/>
+                </a:spcBef>
+                <a:buSzPct val="80000"/>
+                <a:buFont typeface="Arial" pitchFamily="34" charset="0"/>
+                <a:buNone/>
+              </a:pPr>
+              <a:r>
+                <a:rPr lang="en-US" sz="2800" dirty="0" smtClean="0">
+                  <a:solidFill>
+                    <a:schemeClr val="bg1">
+                      <a:alpha val="99000"/>
+                    </a:schemeClr>
+                  </a:solidFill>
+                </a:rPr>
+                <a:t>Microsoft /web</a:t>
+              </a:r>
+              <a:endParaRPr lang="en-US" sz="2800" baseline="0" dirty="0">
+                <a:solidFill>
+                  <a:schemeClr val="bg1">
+                    <a:alpha val="99000"/>
+                  </a:schemeClr>
+                </a:solidFill>
+              </a:endParaRPr>
+            </a:p>
+          </p:txBody>
+        </p:sp>
+        <p:sp>
+          <p:nvSpPr>
+            <p:cNvPr id="9" name="Rectangle 8"/>
+            <p:cNvSpPr/>
+            <p:nvPr userDrawn="1"/>
+          </p:nvSpPr>
+          <p:spPr>
+            <a:xfrm>
+              <a:off x="1438350" y="6127087"/>
+              <a:ext cx="35653" cy="76944"/>
+            </a:xfrm>
+            <a:prstGeom prst="rect">
+              <a:avLst/>
+            </a:prstGeom>
+          </p:spPr>
+          <p:txBody>
+            <a:bodyPr wrap="none" lIns="0" tIns="0" rIns="0" bIns="0">
+              <a:spAutoFit/>
+            </a:bodyPr>
+            <a:lstStyle/>
+            <a:p>
+              <a:r>
+                <a:rPr lang="en-US" sz="500" baseline="0" dirty="0" smtClean="0">
+                  <a:solidFill>
+                    <a:schemeClr val="bg1">
+                      <a:alpha val="99000"/>
+                    </a:schemeClr>
+                  </a:solidFill>
+                </a:rPr>
+                <a:t>®</a:t>
+              </a:r>
+              <a:endParaRPr lang="en-US" sz="500" baseline="0" dirty="0">
+                <a:solidFill>
+                  <a:schemeClr val="bg1">
+                    <a:alpha val="99000"/>
+                  </a:schemeClr>
+                </a:solidFill>
+              </a:endParaRPr>
+            </a:p>
+          </p:txBody>
+        </p:sp>
+      </p:grpSp>
     </p:spTree>
     <p:extLst>
       <p:ext uri="{BB962C8B-B14F-4D97-AF65-F5344CB8AC3E}">
@@ -14312,7 +14534,7 @@
           <a:graphicData uri="http://schemas.openxmlformats.org/presentationml/2006/ole">
             <mc:AlternateContent xmlns:mc="http://schemas.openxmlformats.org/markup-compatibility/2006">
               <mc:Choice xmlns:v="urn:schemas-microsoft-com:vml" Requires="v">
-                <p:oleObj spid="_x0000_s57397" name="think-cell Slide" r:id="rId6" imgW="270" imgH="270" progId="TCLayout.ActiveDocument.1">
+                <p:oleObj spid="_x0000_s57398" name="think-cell Slide" r:id="rId6" imgW="270" imgH="270" progId="TCLayout.ActiveDocument.1">
                   <p:embed/>
                 </p:oleObj>
               </mc:Choice>
@@ -14739,7 +14961,7 @@
           <a:graphicData uri="http://schemas.openxmlformats.org/presentationml/2006/ole">
             <mc:AlternateContent xmlns:mc="http://schemas.openxmlformats.org/markup-compatibility/2006">
               <mc:Choice xmlns:v="urn:schemas-microsoft-com:vml" Requires="v">
-                <p:oleObj spid="_x0000_s58418" name="think-cell Slide" r:id="rId5" imgW="270" imgH="270" progId="TCLayout.ActiveDocument.1">
+                <p:oleObj spid="_x0000_s58419" name="think-cell Slide" r:id="rId5" imgW="270" imgH="270" progId="TCLayout.ActiveDocument.1">
                   <p:embed/>
                 </p:oleObj>
               </mc:Choice>
@@ -14848,7 +15070,7 @@
           <a:graphicData uri="http://schemas.openxmlformats.org/presentationml/2006/ole">
             <mc:AlternateContent xmlns:mc="http://schemas.openxmlformats.org/markup-compatibility/2006">
               <mc:Choice xmlns:v="urn:schemas-microsoft-com:vml" Requires="v">
-                <p:oleObj spid="_x0000_s59439" name="think-cell Slide" r:id="rId5" imgW="270" imgH="270" progId="TCLayout.ActiveDocument.1">
+                <p:oleObj spid="_x0000_s59440" name="think-cell Slide" r:id="rId5" imgW="270" imgH="270" progId="TCLayout.ActiveDocument.1">
                   <p:embed/>
                 </p:oleObj>
               </mc:Choice>
@@ -15027,7 +15249,7 @@
           <a:graphicData uri="http://schemas.openxmlformats.org/presentationml/2006/ole">
             <mc:AlternateContent xmlns:mc="http://schemas.openxmlformats.org/markup-compatibility/2006">
               <mc:Choice xmlns:v="urn:schemas-microsoft-com:vml" Requires="v">
-                <p:oleObj spid="_x0000_s23606" name="think-cell Slide" r:id="rId7" imgW="270" imgH="270" progId="TCLayout.ActiveDocument.1">
+                <p:oleObj spid="_x0000_s23607" name="think-cell Slide" r:id="rId7" imgW="270" imgH="270" progId="TCLayout.ActiveDocument.1">
                   <p:embed/>
                 </p:oleObj>
               </mc:Choice>
@@ -15347,7 +15569,7 @@
           <a:graphicData uri="http://schemas.openxmlformats.org/presentationml/2006/ole">
             <mc:AlternateContent xmlns:mc="http://schemas.openxmlformats.org/markup-compatibility/2006">
               <mc:Choice xmlns:v="urn:schemas-microsoft-com:vml" Requires="v">
-                <p:oleObj spid="_x0000_s24632" name="think-cell Slide" r:id="rId5" imgW="270" imgH="270" progId="TCLayout.ActiveDocument.1">
+                <p:oleObj spid="_x0000_s24633" name="think-cell Slide" r:id="rId5" imgW="270" imgH="270" progId="TCLayout.ActiveDocument.1">
                   <p:embed/>
                 </p:oleObj>
               </mc:Choice>
@@ -16833,7 +17055,7 @@
           <a:graphicData uri="http://schemas.openxmlformats.org/presentationml/2006/ole">
             <mc:AlternateContent xmlns:mc="http://schemas.openxmlformats.org/markup-compatibility/2006">
               <mc:Choice xmlns:v="urn:schemas-microsoft-com:vml" Requires="v">
-                <p:oleObj spid="_x0000_s60427" name="think-cell Slide" r:id="rId5" imgW="270" imgH="270" progId="TCLayout.ActiveDocument.1">
+                <p:oleObj spid="_x0000_s60428" name="think-cell Slide" r:id="rId5" imgW="270" imgH="270" progId="TCLayout.ActiveDocument.1">
                   <p:embed/>
                 </p:oleObj>
               </mc:Choice>
@@ -18858,7 +19080,7 @@
           <a:graphicData uri="http://schemas.openxmlformats.org/presentationml/2006/ole">
             <mc:AlternateContent xmlns:mc="http://schemas.openxmlformats.org/markup-compatibility/2006">
               <mc:Choice xmlns:v="urn:schemas-microsoft-com:vml" Requires="v">
-                <p:oleObj spid="_x0000_s61452" name="think-cell Slide" r:id="rId5" imgW="270" imgH="270" progId="TCLayout.ActiveDocument.1">
+                <p:oleObj spid="_x0000_s61453" name="think-cell Slide" r:id="rId5" imgW="270" imgH="270" progId="TCLayout.ActiveDocument.1">
                   <p:embed/>
                 </p:oleObj>
               </mc:Choice>
@@ -19545,7 +19767,7 @@
           <a:graphicData uri="http://schemas.openxmlformats.org/presentationml/2006/ole">
             <mc:AlternateContent xmlns:mc="http://schemas.openxmlformats.org/markup-compatibility/2006">
               <mc:Choice xmlns:v="urn:schemas-microsoft-com:vml" Requires="v">
-                <p:oleObj spid="_x0000_s62475" name="think-cell Slide" r:id="rId5" imgW="270" imgH="270" progId="TCLayout.ActiveDocument.1">
+                <p:oleObj spid="_x0000_s62476" name="think-cell Slide" r:id="rId5" imgW="270" imgH="270" progId="TCLayout.ActiveDocument.1">
                   <p:embed/>
                 </p:oleObj>
               </mc:Choice>
@@ -20747,7 +20969,7 @@
           <a:graphicData uri="http://schemas.openxmlformats.org/presentationml/2006/ole">
             <mc:AlternateContent xmlns:mc="http://schemas.openxmlformats.org/markup-compatibility/2006">
               <mc:Choice xmlns:v="urn:schemas-microsoft-com:vml" Requires="v">
-                <p:oleObj spid="_x0000_s63499" name="think-cell Slide" r:id="rId5" imgW="270" imgH="270" progId="TCLayout.ActiveDocument.1">
+                <p:oleObj spid="_x0000_s63500" name="think-cell Slide" r:id="rId5" imgW="270" imgH="270" progId="TCLayout.ActiveDocument.1">
                   <p:embed/>
                 </p:oleObj>
               </mc:Choice>
@@ -21728,7 +21950,7 @@
           <a:graphicData uri="http://schemas.openxmlformats.org/presentationml/2006/ole">
             <mc:AlternateContent xmlns:mc="http://schemas.openxmlformats.org/markup-compatibility/2006">
               <mc:Choice xmlns:v="urn:schemas-microsoft-com:vml" Requires="v">
-                <p:oleObj spid="_x0000_s64523" name="think-cell Slide" r:id="rId5" imgW="270" imgH="270" progId="TCLayout.ActiveDocument.1">
+                <p:oleObj spid="_x0000_s64524" name="think-cell Slide" r:id="rId5" imgW="270" imgH="270" progId="TCLayout.ActiveDocument.1">
                   <p:embed/>
                 </p:oleObj>
               </mc:Choice>
@@ -26553,26 +26775,6 @@
 </file>
 
 <file path=customXml/item1.xml><?xml version="1.0" encoding="utf-8"?>
-<?mso-contentType ?>
-<FormTemplates xmlns="http://schemas.microsoft.com/sharepoint/v3/contenttype/forms">
-  <Display>DocumentLibraryForm</Display>
-  <Edit>DocumentLibraryForm</Edit>
-  <New>DocumentLibraryForm</New>
-</FormTemplates>
-</file>
-
-<file path=customXml/item2.xml><?xml version="1.0" encoding="utf-8"?>
-<p:properties xmlns:p="http://schemas.microsoft.com/office/2006/metadata/properties" xmlns:xsi="http://www.w3.org/2001/XMLSchema-instance" xmlns:pc="http://schemas.microsoft.com/office/infopath/2007/PartnerControls">
-  <documentManagement>
-    <TaxKeywordTaxHTField xmlns="230e9df3-be65-4c73-a93b-d1236ebd677e">
-      <Terms xmlns="http://schemas.microsoft.com/office/infopath/2007/PartnerControls"/>
-    </TaxKeywordTaxHTField>
-    <TaxCatchAll xmlns="230e9df3-be65-4c73-a93b-d1236ebd677e"/>
-  </documentManagement>
-</p:properties>
-</file>
-
-<file path=customXml/item3.xml><?xml version="1.0" encoding="utf-8"?>
 <ct:contentTypeSchema xmlns:ct="http://schemas.microsoft.com/office/2006/metadata/contentType" xmlns:ma="http://schemas.microsoft.com/office/2006/metadata/properties/metaAttributes" ct:_="" ma:_="" ma:contentTypeName="Document" ma:contentTypeID="0x010100CA05B43BE68FE54B90DD26FDFB72BB05" ma:contentTypeVersion="0" ma:contentTypeDescription="Create a new document." ma:contentTypeScope="" ma:versionID="6df1bece345c1749bd9b91e82fa4a03a">
   <xsd:schema xmlns:xsd="http://www.w3.org/2001/XMLSchema" xmlns:xs="http://www.w3.org/2001/XMLSchema" xmlns:p="http://schemas.microsoft.com/office/2006/metadata/properties" xmlns:ns2="230e9df3-be65-4c73-a93b-d1236ebd677e" targetNamespace="http://schemas.microsoft.com/office/2006/metadata/properties" ma:root="true" ma:fieldsID="e317b0b832c9845d3aae3abd1bb0954e" ns2:_="">
     <xsd:import namespace="230e9df3-be65-4c73-a93b-d1236ebd677e"/>
@@ -26724,31 +26926,27 @@
 </ct:contentTypeSchema>
 </file>
 
-<file path=customXml/itemProps1.xml><?xml version="1.0" encoding="utf-8"?>
-<ds:datastoreItem xmlns:ds="http://schemas.openxmlformats.org/officeDocument/2006/customXml" ds:itemID="{B882D8D6-9D38-4159-A398-AAC3689D3D7C}">
-  <ds:schemaRefs>
-    <ds:schemaRef ds:uri="http://schemas.microsoft.com/sharepoint/v3/contenttype/forms"/>
-  </ds:schemaRefs>
-</ds:datastoreItem>
+<file path=customXml/item2.xml><?xml version="1.0" encoding="utf-8"?>
+<p:properties xmlns:p="http://schemas.microsoft.com/office/2006/metadata/properties" xmlns:xsi="http://www.w3.org/2001/XMLSchema-instance" xmlns:pc="http://schemas.microsoft.com/office/infopath/2007/PartnerControls">
+  <documentManagement>
+    <TaxKeywordTaxHTField xmlns="230e9df3-be65-4c73-a93b-d1236ebd677e">
+      <Terms xmlns="http://schemas.microsoft.com/office/infopath/2007/PartnerControls"/>
+    </TaxKeywordTaxHTField>
+    <TaxCatchAll xmlns="230e9df3-be65-4c73-a93b-d1236ebd677e"/>
+  </documentManagement>
+</p:properties>
 </file>
 
-<file path=customXml/itemProps2.xml><?xml version="1.0" encoding="utf-8"?>
-<ds:datastoreItem xmlns:ds="http://schemas.openxmlformats.org/officeDocument/2006/customXml" ds:itemID="{69B2F97D-0457-4986-9734-D03EB073C5EA}">
-  <ds:schemaRefs>
-    <ds:schemaRef ds:uri="http://purl.org/dc/elements/1.1/"/>
-    <ds:schemaRef ds:uri="http://www.w3.org/XML/1998/namespace"/>
-    <ds:schemaRef ds:uri="230e9df3-be65-4c73-a93b-d1236ebd677e"/>
-    <ds:schemaRef ds:uri="http://purl.org/dc/terms/"/>
-    <ds:schemaRef ds:uri="http://schemas.microsoft.com/office/2006/metadata/properties"/>
-    <ds:schemaRef ds:uri="http://schemas.microsoft.com/office/infopath/2007/PartnerControls"/>
-    <ds:schemaRef ds:uri="http://purl.org/dc/dcmitype/"/>
-    <ds:schemaRef ds:uri="http://schemas.microsoft.com/office/2006/documentManagement/types"/>
-    <ds:schemaRef ds:uri="http://schemas.openxmlformats.org/package/2006/metadata/core-properties"/>
-  </ds:schemaRefs>
-</ds:datastoreItem>
+<file path=customXml/item3.xml><?xml version="1.0" encoding="utf-8"?>
+<?mso-contentType ?>
+<FormTemplates xmlns="http://schemas.microsoft.com/sharepoint/v3/contenttype/forms">
+  <Display>DocumentLibraryForm</Display>
+  <Edit>DocumentLibraryForm</Edit>
+  <New>DocumentLibraryForm</New>
+</FormTemplates>
 </file>
 
-<file path=customXml/itemProps3.xml><?xml version="1.0" encoding="utf-8"?>
+<file path=customXml/itemProps1.xml><?xml version="1.0" encoding="utf-8"?>
 <ds:datastoreItem xmlns:ds="http://schemas.openxmlformats.org/officeDocument/2006/customXml" ds:itemID="{8F590144-748D-417B-8B69-088F107B0F98}">
   <ds:schemaRefs>
     <ds:schemaRef ds:uri="http://schemas.microsoft.com/office/2006/metadata/contentType"/>
@@ -26764,4 +26962,28 @@
     <ds:schemaRef ds:uri="http://schemas.microsoft.com/internal/obd"/>
   </ds:schemaRefs>
 </ds:datastoreItem>
+</file>
+
+<file path=customXml/itemProps2.xml><?xml version="1.0" encoding="utf-8"?>
+<ds:datastoreItem xmlns:ds="http://schemas.openxmlformats.org/officeDocument/2006/customXml" ds:itemID="{69B2F97D-0457-4986-9734-D03EB073C5EA}">
+  <ds:schemaRefs>
+    <ds:schemaRef ds:uri="http://purl.org/dc/elements/1.1/"/>
+    <ds:schemaRef ds:uri="http://schemas.microsoft.com/office/2006/metadata/properties"/>
+    <ds:schemaRef ds:uri="http://purl.org/dc/terms/"/>
+    <ds:schemaRef ds:uri="http://purl.org/dc/dcmitype/"/>
+    <ds:schemaRef ds:uri="http://schemas.microsoft.com/office/2006/documentManagement/types"/>
+    <ds:schemaRef ds:uri="230e9df3-be65-4c73-a93b-d1236ebd677e"/>
+    <ds:schemaRef ds:uri="http://schemas.microsoft.com/office/infopath/2007/PartnerControls"/>
+    <ds:schemaRef ds:uri="http://schemas.openxmlformats.org/package/2006/metadata/core-properties"/>
+    <ds:schemaRef ds:uri="http://www.w3.org/XML/1998/namespace"/>
+  </ds:schemaRefs>
+</ds:datastoreItem>
+</file>
+
+<file path=customXml/itemProps3.xml><?xml version="1.0" encoding="utf-8"?>
+<ds:datastoreItem xmlns:ds="http://schemas.openxmlformats.org/officeDocument/2006/customXml" ds:itemID="{B882D8D6-9D38-4159-A398-AAC3689D3D7C}">
+  <ds:schemaRefs>
+    <ds:schemaRef ds:uri="http://schemas.microsoft.com/sharepoint/v3/contenttype/forms"/>
+  </ds:schemaRefs>
+</ds:datastoreItem>
 </file>
--- a/WebCampsKeynote/WebCampsKeynote.pptx
+++ b/WebCampsKeynote/WebCampsKeynote.pptx
@@ -28,13 +28,13 @@
   <p:notesSz cx="6858000" cy="9296400"/>
   <p:embeddedFontLst>
     <p:embeddedFont>
-      <p:font typeface="Segoe UI Light" pitchFamily="34" charset="0"/>
+      <p:font typeface="Segoe Light" pitchFamily="34" charset="0"/>
       <p:regular r:id="rId19"/>
+      <p:italic r:id="rId20"/>
     </p:embeddedFont>
     <p:embeddedFont>
-      <p:font typeface="Segoe Light" pitchFamily="34" charset="0"/>
-      <p:regular r:id="rId20"/>
-      <p:italic r:id="rId21"/>
+      <p:font typeface="Segoe UI Light" pitchFamily="34" charset="0"/>
+      <p:regular r:id="rId21"/>
     </p:embeddedFont>
     <p:embeddedFont>
       <p:font typeface="Segoe UI" pitchFamily="34" charset="0"/>
@@ -245,7 +245,7 @@
               <a:rPr lang="en-US" smtClean="0">
                 <a:latin typeface="Segoe UI" pitchFamily="34" charset="0"/>
               </a:rPr>
-              <a:t>4/6/2012</a:t>
+              <a:t>5/2/2012</a:t>
             </a:fld>
             <a:endParaRPr lang="en-US" dirty="0">
               <a:latin typeface="Segoe UI" pitchFamily="34" charset="0"/>
@@ -427,7 +427,7 @@
             <a:fld id="{CAE3F082-F902-42D8-A765-720E172C3194}" type="datetimeFigureOut">
               <a:rPr lang="en-US" smtClean="0"/>
               <a:pPr/>
-              <a:t>4/6/2012</a:t>
+              <a:t>5/2/2012</a:t>
             </a:fld>
             <a:endParaRPr lang="en-US" dirty="0"/>
           </a:p>
@@ -5901,19 +5901,7 @@
                 <a:latin typeface="Segoe UI" pitchFamily="34" charset="0"/>
                 <a:cs typeface="Arial" charset="0"/>
               </a:rPr>
-              <a:t>2012 </a:t>
-            </a:r>
-            <a:r>
-              <a:rPr lang="en-US" sz="700" dirty="0" smtClean="0">
-                <a:solidFill>
-                  <a:schemeClr val="bg1">
-                    <a:alpha val="99000"/>
-                  </a:schemeClr>
-                </a:solidFill>
-                <a:latin typeface="Segoe UI" pitchFamily="34" charset="0"/>
-                <a:cs typeface="Arial" charset="0"/>
-              </a:rPr>
-              <a:t>Microsoft </a:t>
+              <a:t>2012 Microsoft </a:t>
             </a:r>
             <a:r>
               <a:rPr lang="en-US" sz="700" dirty="0">
@@ -12702,10 +12690,10 @@
                   </a:gradFill>
                   <a:latin typeface="Segoe UI Light" pitchFamily="34" charset="0"/>
                 </a:rPr>
-                <a:t> #</a:t>
+                <a:t> </a:t>
               </a:r>
               <a:r>
-                <a:rPr lang="en-US" sz="2600" spc="-100" dirty="0" err="1">
+                <a:rPr lang="en-US" sz="2600" spc="-100" dirty="0" smtClean="0">
                   <a:gradFill>
                     <a:gsLst>
                       <a:gs pos="0">
@@ -12719,7 +12707,24 @@
                   </a:gradFill>
                   <a:latin typeface="Segoe UI Light" pitchFamily="34" charset="0"/>
                 </a:rPr>
-                <a:t>webcamps</a:t>
+                <a:t>#</a:t>
+              </a:r>
+              <a:r>
+                <a:rPr lang="en-US" sz="2600" spc="-100" smtClean="0">
+                  <a:gradFill>
+                    <a:gsLst>
+                      <a:gs pos="0">
+                        <a:srgbClr val="595959"/>
+                      </a:gs>
+                      <a:gs pos="86000">
+                        <a:srgbClr val="595959"/>
+                      </a:gs>
+                    </a:gsLst>
+                    <a:lin ang="5400000" scaled="0"/>
+                  </a:gradFill>
+                  <a:latin typeface="Segoe UI Light" pitchFamily="34" charset="0"/>
+                </a:rPr>
+                <a:t>devcamps</a:t>
               </a:r>
               <a:endParaRPr lang="en-US" sz="2600" spc="-100" dirty="0">
                 <a:gradFill>
@@ -14534,7 +14539,7 @@
           <a:graphicData uri="http://schemas.openxmlformats.org/presentationml/2006/ole">
             <mc:AlternateContent xmlns:mc="http://schemas.openxmlformats.org/markup-compatibility/2006">
               <mc:Choice xmlns:v="urn:schemas-microsoft-com:vml" Requires="v">
-                <p:oleObj spid="_x0000_s57398" name="think-cell Slide" r:id="rId6" imgW="270" imgH="270" progId="TCLayout.ActiveDocument.1">
+                <p:oleObj spid="_x0000_s57399" name="think-cell Slide" r:id="rId6" imgW="270" imgH="270" progId="TCLayout.ActiveDocument.1">
                   <p:embed/>
                 </p:oleObj>
               </mc:Choice>
@@ -14961,7 +14966,7 @@
           <a:graphicData uri="http://schemas.openxmlformats.org/presentationml/2006/ole">
             <mc:AlternateContent xmlns:mc="http://schemas.openxmlformats.org/markup-compatibility/2006">
               <mc:Choice xmlns:v="urn:schemas-microsoft-com:vml" Requires="v">
-                <p:oleObj spid="_x0000_s58419" name="think-cell Slide" r:id="rId5" imgW="270" imgH="270" progId="TCLayout.ActiveDocument.1">
+                <p:oleObj spid="_x0000_s58420" name="think-cell Slide" r:id="rId5" imgW="270" imgH="270" progId="TCLayout.ActiveDocument.1">
                   <p:embed/>
                 </p:oleObj>
               </mc:Choice>
@@ -15070,7 +15075,7 @@
           <a:graphicData uri="http://schemas.openxmlformats.org/presentationml/2006/ole">
             <mc:AlternateContent xmlns:mc="http://schemas.openxmlformats.org/markup-compatibility/2006">
               <mc:Choice xmlns:v="urn:schemas-microsoft-com:vml" Requires="v">
-                <p:oleObj spid="_x0000_s59440" name="think-cell Slide" r:id="rId5" imgW="270" imgH="270" progId="TCLayout.ActiveDocument.1">
+                <p:oleObj spid="_x0000_s59441" name="think-cell Slide" r:id="rId5" imgW="270" imgH="270" progId="TCLayout.ActiveDocument.1">
                   <p:embed/>
                 </p:oleObj>
               </mc:Choice>
@@ -15249,7 +15254,7 @@
           <a:graphicData uri="http://schemas.openxmlformats.org/presentationml/2006/ole">
             <mc:AlternateContent xmlns:mc="http://schemas.openxmlformats.org/markup-compatibility/2006">
               <mc:Choice xmlns:v="urn:schemas-microsoft-com:vml" Requires="v">
-                <p:oleObj spid="_x0000_s23607" name="think-cell Slide" r:id="rId7" imgW="270" imgH="270" progId="TCLayout.ActiveDocument.1">
+                <p:oleObj spid="_x0000_s23608" name="think-cell Slide" r:id="rId7" imgW="270" imgH="270" progId="TCLayout.ActiveDocument.1">
                   <p:embed/>
                 </p:oleObj>
               </mc:Choice>
@@ -15569,7 +15574,7 @@
           <a:graphicData uri="http://schemas.openxmlformats.org/presentationml/2006/ole">
             <mc:AlternateContent xmlns:mc="http://schemas.openxmlformats.org/markup-compatibility/2006">
               <mc:Choice xmlns:v="urn:schemas-microsoft-com:vml" Requires="v">
-                <p:oleObj spid="_x0000_s24633" name="think-cell Slide" r:id="rId5" imgW="270" imgH="270" progId="TCLayout.ActiveDocument.1">
+                <p:oleObj spid="_x0000_s24634" name="think-cell Slide" r:id="rId5" imgW="270" imgH="270" progId="TCLayout.ActiveDocument.1">
                   <p:embed/>
                 </p:oleObj>
               </mc:Choice>
@@ -17055,7 +17060,7 @@
           <a:graphicData uri="http://schemas.openxmlformats.org/presentationml/2006/ole">
             <mc:AlternateContent xmlns:mc="http://schemas.openxmlformats.org/markup-compatibility/2006">
               <mc:Choice xmlns:v="urn:schemas-microsoft-com:vml" Requires="v">
-                <p:oleObj spid="_x0000_s60428" name="think-cell Slide" r:id="rId5" imgW="270" imgH="270" progId="TCLayout.ActiveDocument.1">
+                <p:oleObj spid="_x0000_s60429" name="think-cell Slide" r:id="rId5" imgW="270" imgH="270" progId="TCLayout.ActiveDocument.1">
                   <p:embed/>
                 </p:oleObj>
               </mc:Choice>
@@ -19080,7 +19085,7 @@
           <a:graphicData uri="http://schemas.openxmlformats.org/presentationml/2006/ole">
             <mc:AlternateContent xmlns:mc="http://schemas.openxmlformats.org/markup-compatibility/2006">
               <mc:Choice xmlns:v="urn:schemas-microsoft-com:vml" Requires="v">
-                <p:oleObj spid="_x0000_s61453" name="think-cell Slide" r:id="rId5" imgW="270" imgH="270" progId="TCLayout.ActiveDocument.1">
+                <p:oleObj spid="_x0000_s61454" name="think-cell Slide" r:id="rId5" imgW="270" imgH="270" progId="TCLayout.ActiveDocument.1">
                   <p:embed/>
                 </p:oleObj>
               </mc:Choice>
@@ -19767,7 +19772,7 @@
           <a:graphicData uri="http://schemas.openxmlformats.org/presentationml/2006/ole">
             <mc:AlternateContent xmlns:mc="http://schemas.openxmlformats.org/markup-compatibility/2006">
               <mc:Choice xmlns:v="urn:schemas-microsoft-com:vml" Requires="v">
-                <p:oleObj spid="_x0000_s62476" name="think-cell Slide" r:id="rId5" imgW="270" imgH="270" progId="TCLayout.ActiveDocument.1">
+                <p:oleObj spid="_x0000_s62477" name="think-cell Slide" r:id="rId5" imgW="270" imgH="270" progId="TCLayout.ActiveDocument.1">
                   <p:embed/>
                 </p:oleObj>
               </mc:Choice>
@@ -20969,7 +20974,7 @@
           <a:graphicData uri="http://schemas.openxmlformats.org/presentationml/2006/ole">
             <mc:AlternateContent xmlns:mc="http://schemas.openxmlformats.org/markup-compatibility/2006">
               <mc:Choice xmlns:v="urn:schemas-microsoft-com:vml" Requires="v">
-                <p:oleObj spid="_x0000_s63500" name="think-cell Slide" r:id="rId5" imgW="270" imgH="270" progId="TCLayout.ActiveDocument.1">
+                <p:oleObj spid="_x0000_s63501" name="think-cell Slide" r:id="rId5" imgW="270" imgH="270" progId="TCLayout.ActiveDocument.1">
                   <p:embed/>
                 </p:oleObj>
               </mc:Choice>
@@ -21950,7 +21955,7 @@
           <a:graphicData uri="http://schemas.openxmlformats.org/presentationml/2006/ole">
             <mc:AlternateContent xmlns:mc="http://schemas.openxmlformats.org/markup-compatibility/2006">
               <mc:Choice xmlns:v="urn:schemas-microsoft-com:vml" Requires="v">
-                <p:oleObj spid="_x0000_s64524" name="think-cell Slide" r:id="rId5" imgW="270" imgH="270" progId="TCLayout.ActiveDocument.1">
+                <p:oleObj spid="_x0000_s64525" name="think-cell Slide" r:id="rId5" imgW="270" imgH="270" progId="TCLayout.ActiveDocument.1">
                   <p:embed/>
                 </p:oleObj>
               </mc:Choice>
@@ -26775,6 +26780,26 @@
 </file>
 
 <file path=customXml/item1.xml><?xml version="1.0" encoding="utf-8"?>
+<?mso-contentType ?>
+<FormTemplates xmlns="http://schemas.microsoft.com/sharepoint/v3/contenttype/forms">
+  <Display>DocumentLibraryForm</Display>
+  <Edit>DocumentLibraryForm</Edit>
+  <New>DocumentLibraryForm</New>
+</FormTemplates>
+</file>
+
+<file path=customXml/item2.xml><?xml version="1.0" encoding="utf-8"?>
+<p:properties xmlns:p="http://schemas.microsoft.com/office/2006/metadata/properties" xmlns:xsi="http://www.w3.org/2001/XMLSchema-instance" xmlns:pc="http://schemas.microsoft.com/office/infopath/2007/PartnerControls">
+  <documentManagement>
+    <TaxKeywordTaxHTField xmlns="230e9df3-be65-4c73-a93b-d1236ebd677e">
+      <Terms xmlns="http://schemas.microsoft.com/office/infopath/2007/PartnerControls"/>
+    </TaxKeywordTaxHTField>
+    <TaxCatchAll xmlns="230e9df3-be65-4c73-a93b-d1236ebd677e"/>
+  </documentManagement>
+</p:properties>
+</file>
+
+<file path=customXml/item3.xml><?xml version="1.0" encoding="utf-8"?>
 <ct:contentTypeSchema xmlns:ct="http://schemas.microsoft.com/office/2006/metadata/contentType" xmlns:ma="http://schemas.microsoft.com/office/2006/metadata/properties/metaAttributes" ct:_="" ma:_="" ma:contentTypeName="Document" ma:contentTypeID="0x010100CA05B43BE68FE54B90DD26FDFB72BB05" ma:contentTypeVersion="0" ma:contentTypeDescription="Create a new document." ma:contentTypeScope="" ma:versionID="6df1bece345c1749bd9b91e82fa4a03a">
   <xsd:schema xmlns:xsd="http://www.w3.org/2001/XMLSchema" xmlns:xs="http://www.w3.org/2001/XMLSchema" xmlns:p="http://schemas.microsoft.com/office/2006/metadata/properties" xmlns:ns2="230e9df3-be65-4c73-a93b-d1236ebd677e" targetNamespace="http://schemas.microsoft.com/office/2006/metadata/properties" ma:root="true" ma:fieldsID="e317b0b832c9845d3aae3abd1bb0954e" ns2:_="">
     <xsd:import namespace="230e9df3-be65-4c73-a93b-d1236ebd677e"/>
@@ -26926,40 +26951,10 @@
 </ct:contentTypeSchema>
 </file>
 
-<file path=customXml/item2.xml><?xml version="1.0" encoding="utf-8"?>
-<p:properties xmlns:p="http://schemas.microsoft.com/office/2006/metadata/properties" xmlns:xsi="http://www.w3.org/2001/XMLSchema-instance" xmlns:pc="http://schemas.microsoft.com/office/infopath/2007/PartnerControls">
-  <documentManagement>
-    <TaxKeywordTaxHTField xmlns="230e9df3-be65-4c73-a93b-d1236ebd677e">
-      <Terms xmlns="http://schemas.microsoft.com/office/infopath/2007/PartnerControls"/>
-    </TaxKeywordTaxHTField>
-    <TaxCatchAll xmlns="230e9df3-be65-4c73-a93b-d1236ebd677e"/>
-  </documentManagement>
-</p:properties>
-</file>
-
-<file path=customXml/item3.xml><?xml version="1.0" encoding="utf-8"?>
-<?mso-contentType ?>
-<FormTemplates xmlns="http://schemas.microsoft.com/sharepoint/v3/contenttype/forms">
-  <Display>DocumentLibraryForm</Display>
-  <Edit>DocumentLibraryForm</Edit>
-  <New>DocumentLibraryForm</New>
-</FormTemplates>
-</file>
-
 <file path=customXml/itemProps1.xml><?xml version="1.0" encoding="utf-8"?>
-<ds:datastoreItem xmlns:ds="http://schemas.openxmlformats.org/officeDocument/2006/customXml" ds:itemID="{8F590144-748D-417B-8B69-088F107B0F98}">
+<ds:datastoreItem xmlns:ds="http://schemas.openxmlformats.org/officeDocument/2006/customXml" ds:itemID="{B882D8D6-9D38-4159-A398-AAC3689D3D7C}">
   <ds:schemaRefs>
-    <ds:schemaRef ds:uri="http://schemas.microsoft.com/office/2006/metadata/contentType"/>
-    <ds:schemaRef ds:uri="http://schemas.microsoft.com/office/2006/metadata/properties/metaAttributes"/>
-    <ds:schemaRef ds:uri="http://www.w3.org/2001/XMLSchema"/>
-    <ds:schemaRef ds:uri="http://schemas.microsoft.com/office/2006/metadata/properties"/>
-    <ds:schemaRef ds:uri="230e9df3-be65-4c73-a93b-d1236ebd677e"/>
-    <ds:schemaRef ds:uri="http://schemas.microsoft.com/office/2006/documentManagement/types"/>
-    <ds:schemaRef ds:uri="http://schemas.microsoft.com/office/infopath/2007/PartnerControls"/>
-    <ds:schemaRef ds:uri="http://schemas.openxmlformats.org/package/2006/metadata/core-properties"/>
-    <ds:schemaRef ds:uri="http://purl.org/dc/elements/1.1/"/>
-    <ds:schemaRef ds:uri="http://purl.org/dc/terms/"/>
-    <ds:schemaRef ds:uri="http://schemas.microsoft.com/internal/obd"/>
+    <ds:schemaRef ds:uri="http://schemas.microsoft.com/sharepoint/v3/contenttype/forms"/>
   </ds:schemaRefs>
 </ds:datastoreItem>
 </file>
@@ -26981,9 +26976,19 @@
 </file>
 
 <file path=customXml/itemProps3.xml><?xml version="1.0" encoding="utf-8"?>
-<ds:datastoreItem xmlns:ds="http://schemas.openxmlformats.org/officeDocument/2006/customXml" ds:itemID="{B882D8D6-9D38-4159-A398-AAC3689D3D7C}">
+<ds:datastoreItem xmlns:ds="http://schemas.openxmlformats.org/officeDocument/2006/customXml" ds:itemID="{8F590144-748D-417B-8B69-088F107B0F98}">
   <ds:schemaRefs>
-    <ds:schemaRef ds:uri="http://schemas.microsoft.com/sharepoint/v3/contenttype/forms"/>
+    <ds:schemaRef ds:uri="http://schemas.microsoft.com/office/2006/metadata/contentType"/>
+    <ds:schemaRef ds:uri="http://schemas.microsoft.com/office/2006/metadata/properties/metaAttributes"/>
+    <ds:schemaRef ds:uri="http://www.w3.org/2001/XMLSchema"/>
+    <ds:schemaRef ds:uri="http://schemas.microsoft.com/office/2006/metadata/properties"/>
+    <ds:schemaRef ds:uri="230e9df3-be65-4c73-a93b-d1236ebd677e"/>
+    <ds:schemaRef ds:uri="http://schemas.microsoft.com/office/2006/documentManagement/types"/>
+    <ds:schemaRef ds:uri="http://schemas.microsoft.com/office/infopath/2007/PartnerControls"/>
+    <ds:schemaRef ds:uri="http://schemas.openxmlformats.org/package/2006/metadata/core-properties"/>
+    <ds:schemaRef ds:uri="http://purl.org/dc/elements/1.1/"/>
+    <ds:schemaRef ds:uri="http://purl.org/dc/terms/"/>
+    <ds:schemaRef ds:uri="http://schemas.microsoft.com/internal/obd"/>
   </ds:schemaRefs>
 </ds:datastoreItem>
 </file>